--- a/ppt 16-9/1505.耶稣基督是主.pptx
+++ b/ppt 16-9/1505.耶稣基督是主.pptx
@@ -129,7 +129,7 @@
           <p:cNvPr id="2" name="标题 1">
             <a:extLst>
               <a:ext uri="{FF2B5EF4-FFF2-40B4-BE49-F238E27FC236}">
-                <a16:creationId xmlns:a16="http://schemas.microsoft.com/office/drawing/2014/main" id="{2ECD867A-99AA-6DB4-C1BA-0055DFDC46E0}"/>
+                <a16:creationId xmlns:a16="http://schemas.microsoft.com/office/drawing/2014/main" id="{15A086E9-173C-2AB3-A464-F1B38FEA853D}"/>
               </a:ext>
             </a:extLst>
           </p:cNvPr>
@@ -166,7 +166,7 @@
           <p:cNvPr id="3" name="副标题 2">
             <a:extLst>
               <a:ext uri="{FF2B5EF4-FFF2-40B4-BE49-F238E27FC236}">
-                <a16:creationId xmlns:a16="http://schemas.microsoft.com/office/drawing/2014/main" id="{5167494C-1948-3FDA-2B0B-03B8E4A5EE4E}"/>
+                <a16:creationId xmlns:a16="http://schemas.microsoft.com/office/drawing/2014/main" id="{4502030C-1E2C-D05F-F8DF-0355F502B20C}"/>
               </a:ext>
             </a:extLst>
           </p:cNvPr>
@@ -236,7 +236,7 @@
           <p:cNvPr id="4" name="日期占位符 3">
             <a:extLst>
               <a:ext uri="{FF2B5EF4-FFF2-40B4-BE49-F238E27FC236}">
-                <a16:creationId xmlns:a16="http://schemas.microsoft.com/office/drawing/2014/main" id="{6C653BD1-3832-F9BE-0A89-01CCCACC0728}"/>
+                <a16:creationId xmlns:a16="http://schemas.microsoft.com/office/drawing/2014/main" id="{B4341530-94D6-06F1-5707-A07EA1A31F14}"/>
               </a:ext>
             </a:extLst>
           </p:cNvPr>
@@ -252,7 +252,7 @@
           <a:bodyPr/>
           <a:lstStyle/>
           <a:p>
-            <a:fld id="{206A1D2B-AEAB-45E2-AEDA-0D33DA1AD4A3}" type="datetimeFigureOut">
+            <a:fld id="{6EC9CF51-D42F-4515-93AD-FA7AC55392C9}" type="datetimeFigureOut">
               <a:rPr lang="zh-CN" altLang="en-US" smtClean="0"/>
               <a:t>2024/3/10</a:t>
             </a:fld>
@@ -265,7 +265,7 @@
           <p:cNvPr id="5" name="页脚占位符 4">
             <a:extLst>
               <a:ext uri="{FF2B5EF4-FFF2-40B4-BE49-F238E27FC236}">
-                <a16:creationId xmlns:a16="http://schemas.microsoft.com/office/drawing/2014/main" id="{622E9C32-10C6-8484-832E-297595D51DE3}"/>
+                <a16:creationId xmlns:a16="http://schemas.microsoft.com/office/drawing/2014/main" id="{8DD567F9-92A3-4962-AE72-75A60651E1B7}"/>
               </a:ext>
             </a:extLst>
           </p:cNvPr>
@@ -290,7 +290,7 @@
           <p:cNvPr id="6" name="灯片编号占位符 5">
             <a:extLst>
               <a:ext uri="{FF2B5EF4-FFF2-40B4-BE49-F238E27FC236}">
-                <a16:creationId xmlns:a16="http://schemas.microsoft.com/office/drawing/2014/main" id="{D6F5D221-17AA-1172-AF67-FC550BC315D0}"/>
+                <a16:creationId xmlns:a16="http://schemas.microsoft.com/office/drawing/2014/main" id="{7BADE618-B206-D788-0B87-E31B5480CFB0}"/>
               </a:ext>
             </a:extLst>
           </p:cNvPr>
@@ -306,7 +306,7 @@
           <a:bodyPr/>
           <a:lstStyle/>
           <a:p>
-            <a:fld id="{44EB9041-A13B-4740-A92D-CC11C1133992}" type="slidenum">
+            <a:fld id="{4BF54584-C52A-4DD9-8DAA-24C18BD49FE1}" type="slidenum">
               <a:rPr lang="zh-CN" altLang="en-US" smtClean="0"/>
               <a:t>‹#›</a:t>
             </a:fld>
@@ -317,7 +317,7 @@
     </p:spTree>
     <p:extLst>
       <p:ext uri="{BB962C8B-B14F-4D97-AF65-F5344CB8AC3E}">
-        <p14:creationId xmlns:p14="http://schemas.microsoft.com/office/powerpoint/2010/main" val="1321521606"/>
+        <p14:creationId xmlns:p14="http://schemas.microsoft.com/office/powerpoint/2010/main" val="1208364638"/>
       </p:ext>
     </p:extLst>
   </p:cSld>
@@ -349,7 +349,7 @@
           <p:cNvPr id="2" name="标题 1">
             <a:extLst>
               <a:ext uri="{FF2B5EF4-FFF2-40B4-BE49-F238E27FC236}">
-                <a16:creationId xmlns:a16="http://schemas.microsoft.com/office/drawing/2014/main" id="{DC752B1A-D864-62D7-5B22-AED50B6AD7DD}"/>
+                <a16:creationId xmlns:a16="http://schemas.microsoft.com/office/drawing/2014/main" id="{738BB06A-4D72-B856-226F-03EE8F3DAEBC}"/>
               </a:ext>
             </a:extLst>
           </p:cNvPr>
@@ -377,7 +377,7 @@
           <p:cNvPr id="3" name="竖排文字占位符 2">
             <a:extLst>
               <a:ext uri="{FF2B5EF4-FFF2-40B4-BE49-F238E27FC236}">
-                <a16:creationId xmlns:a16="http://schemas.microsoft.com/office/drawing/2014/main" id="{CAA6B423-C53E-D502-ACC7-9F7942E439AF}"/>
+                <a16:creationId xmlns:a16="http://schemas.microsoft.com/office/drawing/2014/main" id="{6C574AC5-48E3-25B6-60C3-CC257A597691}"/>
               </a:ext>
             </a:extLst>
           </p:cNvPr>
@@ -434,7 +434,7 @@
           <p:cNvPr id="4" name="日期占位符 3">
             <a:extLst>
               <a:ext uri="{FF2B5EF4-FFF2-40B4-BE49-F238E27FC236}">
-                <a16:creationId xmlns:a16="http://schemas.microsoft.com/office/drawing/2014/main" id="{971BF673-FA53-145B-32C1-BD16754AB12C}"/>
+                <a16:creationId xmlns:a16="http://schemas.microsoft.com/office/drawing/2014/main" id="{D24EA4C7-02F8-7840-64EC-C0F9FE32F38E}"/>
               </a:ext>
             </a:extLst>
           </p:cNvPr>
@@ -450,7 +450,7 @@
           <a:bodyPr/>
           <a:lstStyle/>
           <a:p>
-            <a:fld id="{206A1D2B-AEAB-45E2-AEDA-0D33DA1AD4A3}" type="datetimeFigureOut">
+            <a:fld id="{6EC9CF51-D42F-4515-93AD-FA7AC55392C9}" type="datetimeFigureOut">
               <a:rPr lang="zh-CN" altLang="en-US" smtClean="0"/>
               <a:t>2024/3/10</a:t>
             </a:fld>
@@ -463,7 +463,7 @@
           <p:cNvPr id="5" name="页脚占位符 4">
             <a:extLst>
               <a:ext uri="{FF2B5EF4-FFF2-40B4-BE49-F238E27FC236}">
-                <a16:creationId xmlns:a16="http://schemas.microsoft.com/office/drawing/2014/main" id="{2AF96E74-AAC8-E7A0-4714-CBB1472A22AD}"/>
+                <a16:creationId xmlns:a16="http://schemas.microsoft.com/office/drawing/2014/main" id="{FBE5802D-E300-163E-775F-4994A0602A93}"/>
               </a:ext>
             </a:extLst>
           </p:cNvPr>
@@ -488,7 +488,7 @@
           <p:cNvPr id="6" name="灯片编号占位符 5">
             <a:extLst>
               <a:ext uri="{FF2B5EF4-FFF2-40B4-BE49-F238E27FC236}">
-                <a16:creationId xmlns:a16="http://schemas.microsoft.com/office/drawing/2014/main" id="{0F00F327-E7C9-2592-AA11-4BFA17349425}"/>
+                <a16:creationId xmlns:a16="http://schemas.microsoft.com/office/drawing/2014/main" id="{FCB726C8-72CB-9686-3DDE-EA9B493CF7A3}"/>
               </a:ext>
             </a:extLst>
           </p:cNvPr>
@@ -504,7 +504,7 @@
           <a:bodyPr/>
           <a:lstStyle/>
           <a:p>
-            <a:fld id="{44EB9041-A13B-4740-A92D-CC11C1133992}" type="slidenum">
+            <a:fld id="{4BF54584-C52A-4DD9-8DAA-24C18BD49FE1}" type="slidenum">
               <a:rPr lang="zh-CN" altLang="en-US" smtClean="0"/>
               <a:t>‹#›</a:t>
             </a:fld>
@@ -515,7 +515,7 @@
     </p:spTree>
     <p:extLst>
       <p:ext uri="{BB962C8B-B14F-4D97-AF65-F5344CB8AC3E}">
-        <p14:creationId xmlns:p14="http://schemas.microsoft.com/office/powerpoint/2010/main" val="3095573092"/>
+        <p14:creationId xmlns:p14="http://schemas.microsoft.com/office/powerpoint/2010/main" val="3563775011"/>
       </p:ext>
     </p:extLst>
   </p:cSld>
@@ -547,7 +547,7 @@
           <p:cNvPr id="2" name="竖排标题 1">
             <a:extLst>
               <a:ext uri="{FF2B5EF4-FFF2-40B4-BE49-F238E27FC236}">
-                <a16:creationId xmlns:a16="http://schemas.microsoft.com/office/drawing/2014/main" id="{FB8BDB92-19B4-3110-E744-CAE3BBF92D03}"/>
+                <a16:creationId xmlns:a16="http://schemas.microsoft.com/office/drawing/2014/main" id="{4EFE2A3F-21A5-E21D-17F2-601997F641E9}"/>
               </a:ext>
             </a:extLst>
           </p:cNvPr>
@@ -580,7 +580,7 @@
           <p:cNvPr id="3" name="竖排文字占位符 2">
             <a:extLst>
               <a:ext uri="{FF2B5EF4-FFF2-40B4-BE49-F238E27FC236}">
-                <a16:creationId xmlns:a16="http://schemas.microsoft.com/office/drawing/2014/main" id="{0AF01BFE-1796-70AB-5D33-71255EEEDB0E}"/>
+                <a16:creationId xmlns:a16="http://schemas.microsoft.com/office/drawing/2014/main" id="{D79EDBA9-B55E-C8BE-2792-CC3E6813BE98}"/>
               </a:ext>
             </a:extLst>
           </p:cNvPr>
@@ -642,7 +642,7 @@
           <p:cNvPr id="4" name="日期占位符 3">
             <a:extLst>
               <a:ext uri="{FF2B5EF4-FFF2-40B4-BE49-F238E27FC236}">
-                <a16:creationId xmlns:a16="http://schemas.microsoft.com/office/drawing/2014/main" id="{6813E23B-0375-46A4-07A3-61A0420C4F53}"/>
+                <a16:creationId xmlns:a16="http://schemas.microsoft.com/office/drawing/2014/main" id="{3AE5A61C-51E4-143F-2EE9-316460031C2E}"/>
               </a:ext>
             </a:extLst>
           </p:cNvPr>
@@ -658,7 +658,7 @@
           <a:bodyPr/>
           <a:lstStyle/>
           <a:p>
-            <a:fld id="{206A1D2B-AEAB-45E2-AEDA-0D33DA1AD4A3}" type="datetimeFigureOut">
+            <a:fld id="{6EC9CF51-D42F-4515-93AD-FA7AC55392C9}" type="datetimeFigureOut">
               <a:rPr lang="zh-CN" altLang="en-US" smtClean="0"/>
               <a:t>2024/3/10</a:t>
             </a:fld>
@@ -671,7 +671,7 @@
           <p:cNvPr id="5" name="页脚占位符 4">
             <a:extLst>
               <a:ext uri="{FF2B5EF4-FFF2-40B4-BE49-F238E27FC236}">
-                <a16:creationId xmlns:a16="http://schemas.microsoft.com/office/drawing/2014/main" id="{480E4A4F-04AB-7CB1-67A1-B67CBFDA54C1}"/>
+                <a16:creationId xmlns:a16="http://schemas.microsoft.com/office/drawing/2014/main" id="{7075FF05-C9AA-6A7A-FEC9-BBD9227E1C44}"/>
               </a:ext>
             </a:extLst>
           </p:cNvPr>
@@ -696,7 +696,7 @@
           <p:cNvPr id="6" name="灯片编号占位符 5">
             <a:extLst>
               <a:ext uri="{FF2B5EF4-FFF2-40B4-BE49-F238E27FC236}">
-                <a16:creationId xmlns:a16="http://schemas.microsoft.com/office/drawing/2014/main" id="{21C6F83E-03B7-6DED-6135-73319F395BD7}"/>
+                <a16:creationId xmlns:a16="http://schemas.microsoft.com/office/drawing/2014/main" id="{92449AAE-211F-4FCD-DAC1-5F0D88E14DDE}"/>
               </a:ext>
             </a:extLst>
           </p:cNvPr>
@@ -712,7 +712,7 @@
           <a:bodyPr/>
           <a:lstStyle/>
           <a:p>
-            <a:fld id="{44EB9041-A13B-4740-A92D-CC11C1133992}" type="slidenum">
+            <a:fld id="{4BF54584-C52A-4DD9-8DAA-24C18BD49FE1}" type="slidenum">
               <a:rPr lang="zh-CN" altLang="en-US" smtClean="0"/>
               <a:t>‹#›</a:t>
             </a:fld>
@@ -723,7 +723,7 @@
     </p:spTree>
     <p:extLst>
       <p:ext uri="{BB962C8B-B14F-4D97-AF65-F5344CB8AC3E}">
-        <p14:creationId xmlns:p14="http://schemas.microsoft.com/office/powerpoint/2010/main" val="1114421643"/>
+        <p14:creationId xmlns:p14="http://schemas.microsoft.com/office/powerpoint/2010/main" val="2844161623"/>
       </p:ext>
     </p:extLst>
   </p:cSld>
@@ -755,7 +755,7 @@
           <p:cNvPr id="2" name="标题 1">
             <a:extLst>
               <a:ext uri="{FF2B5EF4-FFF2-40B4-BE49-F238E27FC236}">
-                <a16:creationId xmlns:a16="http://schemas.microsoft.com/office/drawing/2014/main" id="{AF3751CE-7087-5717-65F7-CBDC9F1F1BD3}"/>
+                <a16:creationId xmlns:a16="http://schemas.microsoft.com/office/drawing/2014/main" id="{257C2E91-3020-EC7D-0A78-535A595D8D83}"/>
               </a:ext>
             </a:extLst>
           </p:cNvPr>
@@ -783,7 +783,7 @@
           <p:cNvPr id="3" name="内容占位符 2">
             <a:extLst>
               <a:ext uri="{FF2B5EF4-FFF2-40B4-BE49-F238E27FC236}">
-                <a16:creationId xmlns:a16="http://schemas.microsoft.com/office/drawing/2014/main" id="{6C252F6B-938D-2D36-DC2D-200354E35760}"/>
+                <a16:creationId xmlns:a16="http://schemas.microsoft.com/office/drawing/2014/main" id="{1477B372-CB1C-0E3B-B474-574E00D05A34}"/>
               </a:ext>
             </a:extLst>
           </p:cNvPr>
@@ -840,7 +840,7 @@
           <p:cNvPr id="4" name="日期占位符 3">
             <a:extLst>
               <a:ext uri="{FF2B5EF4-FFF2-40B4-BE49-F238E27FC236}">
-                <a16:creationId xmlns:a16="http://schemas.microsoft.com/office/drawing/2014/main" id="{C3BB1EA3-A0CE-E9DF-1603-9CCA5E20AFA1}"/>
+                <a16:creationId xmlns:a16="http://schemas.microsoft.com/office/drawing/2014/main" id="{927D6A10-7228-63C1-C7CC-149DF2B2CE79}"/>
               </a:ext>
             </a:extLst>
           </p:cNvPr>
@@ -856,7 +856,7 @@
           <a:bodyPr/>
           <a:lstStyle/>
           <a:p>
-            <a:fld id="{206A1D2B-AEAB-45E2-AEDA-0D33DA1AD4A3}" type="datetimeFigureOut">
+            <a:fld id="{6EC9CF51-D42F-4515-93AD-FA7AC55392C9}" type="datetimeFigureOut">
               <a:rPr lang="zh-CN" altLang="en-US" smtClean="0"/>
               <a:t>2024/3/10</a:t>
             </a:fld>
@@ -869,7 +869,7 @@
           <p:cNvPr id="5" name="页脚占位符 4">
             <a:extLst>
               <a:ext uri="{FF2B5EF4-FFF2-40B4-BE49-F238E27FC236}">
-                <a16:creationId xmlns:a16="http://schemas.microsoft.com/office/drawing/2014/main" id="{EFBBC2F4-15CB-4969-69BF-F627156C210E}"/>
+                <a16:creationId xmlns:a16="http://schemas.microsoft.com/office/drawing/2014/main" id="{0F174141-1DCE-7E95-F786-93F9651EBBCC}"/>
               </a:ext>
             </a:extLst>
           </p:cNvPr>
@@ -894,7 +894,7 @@
           <p:cNvPr id="6" name="灯片编号占位符 5">
             <a:extLst>
               <a:ext uri="{FF2B5EF4-FFF2-40B4-BE49-F238E27FC236}">
-                <a16:creationId xmlns:a16="http://schemas.microsoft.com/office/drawing/2014/main" id="{4B87DC38-B4AA-D2CA-FDB9-63ED0447FB2D}"/>
+                <a16:creationId xmlns:a16="http://schemas.microsoft.com/office/drawing/2014/main" id="{02A5CD08-C2CD-1ED9-9AD5-0C75BA25C3A1}"/>
               </a:ext>
             </a:extLst>
           </p:cNvPr>
@@ -910,7 +910,7 @@
           <a:bodyPr/>
           <a:lstStyle/>
           <a:p>
-            <a:fld id="{44EB9041-A13B-4740-A92D-CC11C1133992}" type="slidenum">
+            <a:fld id="{4BF54584-C52A-4DD9-8DAA-24C18BD49FE1}" type="slidenum">
               <a:rPr lang="zh-CN" altLang="en-US" smtClean="0"/>
               <a:t>‹#›</a:t>
             </a:fld>
@@ -921,7 +921,7 @@
     </p:spTree>
     <p:extLst>
       <p:ext uri="{BB962C8B-B14F-4D97-AF65-F5344CB8AC3E}">
-        <p14:creationId xmlns:p14="http://schemas.microsoft.com/office/powerpoint/2010/main" val="2374101420"/>
+        <p14:creationId xmlns:p14="http://schemas.microsoft.com/office/powerpoint/2010/main" val="2719957810"/>
       </p:ext>
     </p:extLst>
   </p:cSld>
@@ -953,7 +953,7 @@
           <p:cNvPr id="2" name="标题 1">
             <a:extLst>
               <a:ext uri="{FF2B5EF4-FFF2-40B4-BE49-F238E27FC236}">
-                <a16:creationId xmlns:a16="http://schemas.microsoft.com/office/drawing/2014/main" id="{F1A686AD-4793-7834-59C4-05864D8BFBCA}"/>
+                <a16:creationId xmlns:a16="http://schemas.microsoft.com/office/drawing/2014/main" id="{A6CB8688-C176-BB83-C4E7-93541BC9958E}"/>
               </a:ext>
             </a:extLst>
           </p:cNvPr>
@@ -990,7 +990,7 @@
           <p:cNvPr id="3" name="文本占位符 2">
             <a:extLst>
               <a:ext uri="{FF2B5EF4-FFF2-40B4-BE49-F238E27FC236}">
-                <a16:creationId xmlns:a16="http://schemas.microsoft.com/office/drawing/2014/main" id="{48C9CE87-5C0D-F5BB-6F1D-FB7478498DA6}"/>
+                <a16:creationId xmlns:a16="http://schemas.microsoft.com/office/drawing/2014/main" id="{1464479F-1B1D-AA72-B891-67CB8B3D3FED}"/>
               </a:ext>
             </a:extLst>
           </p:cNvPr>
@@ -1115,7 +1115,7 @@
           <p:cNvPr id="4" name="日期占位符 3">
             <a:extLst>
               <a:ext uri="{FF2B5EF4-FFF2-40B4-BE49-F238E27FC236}">
-                <a16:creationId xmlns:a16="http://schemas.microsoft.com/office/drawing/2014/main" id="{420A8E55-EB0F-CD2B-0940-96F2FA6E84D1}"/>
+                <a16:creationId xmlns:a16="http://schemas.microsoft.com/office/drawing/2014/main" id="{9267DAF3-FA7E-5A04-CFD2-F2E2F941DEF9}"/>
               </a:ext>
             </a:extLst>
           </p:cNvPr>
@@ -1131,7 +1131,7 @@
           <a:bodyPr/>
           <a:lstStyle/>
           <a:p>
-            <a:fld id="{206A1D2B-AEAB-45E2-AEDA-0D33DA1AD4A3}" type="datetimeFigureOut">
+            <a:fld id="{6EC9CF51-D42F-4515-93AD-FA7AC55392C9}" type="datetimeFigureOut">
               <a:rPr lang="zh-CN" altLang="en-US" smtClean="0"/>
               <a:t>2024/3/10</a:t>
             </a:fld>
@@ -1144,7 +1144,7 @@
           <p:cNvPr id="5" name="页脚占位符 4">
             <a:extLst>
               <a:ext uri="{FF2B5EF4-FFF2-40B4-BE49-F238E27FC236}">
-                <a16:creationId xmlns:a16="http://schemas.microsoft.com/office/drawing/2014/main" id="{E85F22DA-0AF2-C0B6-8609-F17581EE6E6E}"/>
+                <a16:creationId xmlns:a16="http://schemas.microsoft.com/office/drawing/2014/main" id="{54820AA1-D472-1F0C-9055-63A4D28770EC}"/>
               </a:ext>
             </a:extLst>
           </p:cNvPr>
@@ -1169,7 +1169,7 @@
           <p:cNvPr id="6" name="灯片编号占位符 5">
             <a:extLst>
               <a:ext uri="{FF2B5EF4-FFF2-40B4-BE49-F238E27FC236}">
-                <a16:creationId xmlns:a16="http://schemas.microsoft.com/office/drawing/2014/main" id="{99050C59-4C5D-44EF-EF29-28F81AB64B11}"/>
+                <a16:creationId xmlns:a16="http://schemas.microsoft.com/office/drawing/2014/main" id="{0039F262-8273-E353-DACE-F69AF236EE65}"/>
               </a:ext>
             </a:extLst>
           </p:cNvPr>
@@ -1185,7 +1185,7 @@
           <a:bodyPr/>
           <a:lstStyle/>
           <a:p>
-            <a:fld id="{44EB9041-A13B-4740-A92D-CC11C1133992}" type="slidenum">
+            <a:fld id="{4BF54584-C52A-4DD9-8DAA-24C18BD49FE1}" type="slidenum">
               <a:rPr lang="zh-CN" altLang="en-US" smtClean="0"/>
               <a:t>‹#›</a:t>
             </a:fld>
@@ -1196,7 +1196,7 @@
     </p:spTree>
     <p:extLst>
       <p:ext uri="{BB962C8B-B14F-4D97-AF65-F5344CB8AC3E}">
-        <p14:creationId xmlns:p14="http://schemas.microsoft.com/office/powerpoint/2010/main" val="3284183889"/>
+        <p14:creationId xmlns:p14="http://schemas.microsoft.com/office/powerpoint/2010/main" val="1335049925"/>
       </p:ext>
     </p:extLst>
   </p:cSld>
@@ -1228,7 +1228,7 @@
           <p:cNvPr id="2" name="标题 1">
             <a:extLst>
               <a:ext uri="{FF2B5EF4-FFF2-40B4-BE49-F238E27FC236}">
-                <a16:creationId xmlns:a16="http://schemas.microsoft.com/office/drawing/2014/main" id="{B13F074F-4A76-69E9-1C6F-73C4E6E2C10A}"/>
+                <a16:creationId xmlns:a16="http://schemas.microsoft.com/office/drawing/2014/main" id="{D4A735FE-6E1B-53B2-4B23-123812B3E561}"/>
               </a:ext>
             </a:extLst>
           </p:cNvPr>
@@ -1256,7 +1256,7 @@
           <p:cNvPr id="3" name="内容占位符 2">
             <a:extLst>
               <a:ext uri="{FF2B5EF4-FFF2-40B4-BE49-F238E27FC236}">
-                <a16:creationId xmlns:a16="http://schemas.microsoft.com/office/drawing/2014/main" id="{E1BECC13-12FB-14DA-6841-FA022B359E5C}"/>
+                <a16:creationId xmlns:a16="http://schemas.microsoft.com/office/drawing/2014/main" id="{B0103452-72E7-FEF5-F760-4F76661E855B}"/>
               </a:ext>
             </a:extLst>
           </p:cNvPr>
@@ -1318,7 +1318,7 @@
           <p:cNvPr id="4" name="内容占位符 3">
             <a:extLst>
               <a:ext uri="{FF2B5EF4-FFF2-40B4-BE49-F238E27FC236}">
-                <a16:creationId xmlns:a16="http://schemas.microsoft.com/office/drawing/2014/main" id="{8F86AF59-2A78-27CD-23CB-2C452E18B379}"/>
+                <a16:creationId xmlns:a16="http://schemas.microsoft.com/office/drawing/2014/main" id="{E3535B7B-43BB-9095-E66C-82923C4C2290}"/>
               </a:ext>
             </a:extLst>
           </p:cNvPr>
@@ -1380,7 +1380,7 @@
           <p:cNvPr id="5" name="日期占位符 4">
             <a:extLst>
               <a:ext uri="{FF2B5EF4-FFF2-40B4-BE49-F238E27FC236}">
-                <a16:creationId xmlns:a16="http://schemas.microsoft.com/office/drawing/2014/main" id="{2B8FCF1E-2E77-5AC8-6C3B-A736FBC16080}"/>
+                <a16:creationId xmlns:a16="http://schemas.microsoft.com/office/drawing/2014/main" id="{C154BF1D-EC9A-867D-EF15-4836E2122FBA}"/>
               </a:ext>
             </a:extLst>
           </p:cNvPr>
@@ -1396,7 +1396,7 @@
           <a:bodyPr/>
           <a:lstStyle/>
           <a:p>
-            <a:fld id="{206A1D2B-AEAB-45E2-AEDA-0D33DA1AD4A3}" type="datetimeFigureOut">
+            <a:fld id="{6EC9CF51-D42F-4515-93AD-FA7AC55392C9}" type="datetimeFigureOut">
               <a:rPr lang="zh-CN" altLang="en-US" smtClean="0"/>
               <a:t>2024/3/10</a:t>
             </a:fld>
@@ -1409,7 +1409,7 @@
           <p:cNvPr id="6" name="页脚占位符 5">
             <a:extLst>
               <a:ext uri="{FF2B5EF4-FFF2-40B4-BE49-F238E27FC236}">
-                <a16:creationId xmlns:a16="http://schemas.microsoft.com/office/drawing/2014/main" id="{5B015BA2-EE07-7238-3315-DDEB9FBE7043}"/>
+                <a16:creationId xmlns:a16="http://schemas.microsoft.com/office/drawing/2014/main" id="{2DEC008E-2808-6799-18FB-834BADB60989}"/>
               </a:ext>
             </a:extLst>
           </p:cNvPr>
@@ -1434,7 +1434,7 @@
           <p:cNvPr id="7" name="灯片编号占位符 6">
             <a:extLst>
               <a:ext uri="{FF2B5EF4-FFF2-40B4-BE49-F238E27FC236}">
-                <a16:creationId xmlns:a16="http://schemas.microsoft.com/office/drawing/2014/main" id="{F1790313-4C7C-1E28-EF38-DF571657ECC1}"/>
+                <a16:creationId xmlns:a16="http://schemas.microsoft.com/office/drawing/2014/main" id="{28AB94DA-C88D-E4AC-A171-3FA2172D118A}"/>
               </a:ext>
             </a:extLst>
           </p:cNvPr>
@@ -1450,7 +1450,7 @@
           <a:bodyPr/>
           <a:lstStyle/>
           <a:p>
-            <a:fld id="{44EB9041-A13B-4740-A92D-CC11C1133992}" type="slidenum">
+            <a:fld id="{4BF54584-C52A-4DD9-8DAA-24C18BD49FE1}" type="slidenum">
               <a:rPr lang="zh-CN" altLang="en-US" smtClean="0"/>
               <a:t>‹#›</a:t>
             </a:fld>
@@ -1461,7 +1461,7 @@
     </p:spTree>
     <p:extLst>
       <p:ext uri="{BB962C8B-B14F-4D97-AF65-F5344CB8AC3E}">
-        <p14:creationId xmlns:p14="http://schemas.microsoft.com/office/powerpoint/2010/main" val="754258651"/>
+        <p14:creationId xmlns:p14="http://schemas.microsoft.com/office/powerpoint/2010/main" val="4144365882"/>
       </p:ext>
     </p:extLst>
   </p:cSld>
@@ -1493,7 +1493,7 @@
           <p:cNvPr id="2" name="标题 1">
             <a:extLst>
               <a:ext uri="{FF2B5EF4-FFF2-40B4-BE49-F238E27FC236}">
-                <a16:creationId xmlns:a16="http://schemas.microsoft.com/office/drawing/2014/main" id="{C3FF4940-6CF6-066C-2454-2BD27EE739FD}"/>
+                <a16:creationId xmlns:a16="http://schemas.microsoft.com/office/drawing/2014/main" id="{A75C695B-806C-2814-56F8-577A63B6EAB5}"/>
               </a:ext>
             </a:extLst>
           </p:cNvPr>
@@ -1526,7 +1526,7 @@
           <p:cNvPr id="3" name="文本占位符 2">
             <a:extLst>
               <a:ext uri="{FF2B5EF4-FFF2-40B4-BE49-F238E27FC236}">
-                <a16:creationId xmlns:a16="http://schemas.microsoft.com/office/drawing/2014/main" id="{62AF8CAC-35AA-D980-08EA-06C482928DEF}"/>
+                <a16:creationId xmlns:a16="http://schemas.microsoft.com/office/drawing/2014/main" id="{C5CD27AC-77FA-71DA-7878-33BD450B3F49}"/>
               </a:ext>
             </a:extLst>
           </p:cNvPr>
@@ -1597,7 +1597,7 @@
           <p:cNvPr id="4" name="内容占位符 3">
             <a:extLst>
               <a:ext uri="{FF2B5EF4-FFF2-40B4-BE49-F238E27FC236}">
-                <a16:creationId xmlns:a16="http://schemas.microsoft.com/office/drawing/2014/main" id="{670CA221-7BC4-BCB9-B47B-C61C04D4ECEB}"/>
+                <a16:creationId xmlns:a16="http://schemas.microsoft.com/office/drawing/2014/main" id="{4F6DB759-0097-3C92-8138-A9BC41963FF1}"/>
               </a:ext>
             </a:extLst>
           </p:cNvPr>
@@ -1659,7 +1659,7 @@
           <p:cNvPr id="5" name="文本占位符 4">
             <a:extLst>
               <a:ext uri="{FF2B5EF4-FFF2-40B4-BE49-F238E27FC236}">
-                <a16:creationId xmlns:a16="http://schemas.microsoft.com/office/drawing/2014/main" id="{D82E6F26-145E-1919-66DF-2CF6FCD4AA1D}"/>
+                <a16:creationId xmlns:a16="http://schemas.microsoft.com/office/drawing/2014/main" id="{042EA259-E4AF-2559-D196-4BE828E364E6}"/>
               </a:ext>
             </a:extLst>
           </p:cNvPr>
@@ -1730,7 +1730,7 @@
           <p:cNvPr id="6" name="内容占位符 5">
             <a:extLst>
               <a:ext uri="{FF2B5EF4-FFF2-40B4-BE49-F238E27FC236}">
-                <a16:creationId xmlns:a16="http://schemas.microsoft.com/office/drawing/2014/main" id="{3B84E15C-E342-533E-0F67-F599DB8BAFAC}"/>
+                <a16:creationId xmlns:a16="http://schemas.microsoft.com/office/drawing/2014/main" id="{CAEC97F4-A1DA-C789-06C0-FC3A31FAB860}"/>
               </a:ext>
             </a:extLst>
           </p:cNvPr>
@@ -1792,7 +1792,7 @@
           <p:cNvPr id="7" name="日期占位符 6">
             <a:extLst>
               <a:ext uri="{FF2B5EF4-FFF2-40B4-BE49-F238E27FC236}">
-                <a16:creationId xmlns:a16="http://schemas.microsoft.com/office/drawing/2014/main" id="{D70886FC-07F2-DF7B-825F-0CB07A96EE93}"/>
+                <a16:creationId xmlns:a16="http://schemas.microsoft.com/office/drawing/2014/main" id="{861C2E18-20F9-C0A0-CDEE-2FAFD9E42F4D}"/>
               </a:ext>
             </a:extLst>
           </p:cNvPr>
@@ -1808,7 +1808,7 @@
           <a:bodyPr/>
           <a:lstStyle/>
           <a:p>
-            <a:fld id="{206A1D2B-AEAB-45E2-AEDA-0D33DA1AD4A3}" type="datetimeFigureOut">
+            <a:fld id="{6EC9CF51-D42F-4515-93AD-FA7AC55392C9}" type="datetimeFigureOut">
               <a:rPr lang="zh-CN" altLang="en-US" smtClean="0"/>
               <a:t>2024/3/10</a:t>
             </a:fld>
@@ -1821,7 +1821,7 @@
           <p:cNvPr id="8" name="页脚占位符 7">
             <a:extLst>
               <a:ext uri="{FF2B5EF4-FFF2-40B4-BE49-F238E27FC236}">
-                <a16:creationId xmlns:a16="http://schemas.microsoft.com/office/drawing/2014/main" id="{FE5D1EBC-38EA-180B-04F5-3A509E1C81E5}"/>
+                <a16:creationId xmlns:a16="http://schemas.microsoft.com/office/drawing/2014/main" id="{4A78F203-6CA0-D443-3889-98E05BCC54AB}"/>
               </a:ext>
             </a:extLst>
           </p:cNvPr>
@@ -1846,7 +1846,7 @@
           <p:cNvPr id="9" name="灯片编号占位符 8">
             <a:extLst>
               <a:ext uri="{FF2B5EF4-FFF2-40B4-BE49-F238E27FC236}">
-                <a16:creationId xmlns:a16="http://schemas.microsoft.com/office/drawing/2014/main" id="{3E274B1F-F0D4-40C7-7662-AF7F5AE7FE37}"/>
+                <a16:creationId xmlns:a16="http://schemas.microsoft.com/office/drawing/2014/main" id="{2051A78C-0142-CC57-C773-776ADFE62166}"/>
               </a:ext>
             </a:extLst>
           </p:cNvPr>
@@ -1862,7 +1862,7 @@
           <a:bodyPr/>
           <a:lstStyle/>
           <a:p>
-            <a:fld id="{44EB9041-A13B-4740-A92D-CC11C1133992}" type="slidenum">
+            <a:fld id="{4BF54584-C52A-4DD9-8DAA-24C18BD49FE1}" type="slidenum">
               <a:rPr lang="zh-CN" altLang="en-US" smtClean="0"/>
               <a:t>‹#›</a:t>
             </a:fld>
@@ -1873,7 +1873,7 @@
     </p:spTree>
     <p:extLst>
       <p:ext uri="{BB962C8B-B14F-4D97-AF65-F5344CB8AC3E}">
-        <p14:creationId xmlns:p14="http://schemas.microsoft.com/office/powerpoint/2010/main" val="697106411"/>
+        <p14:creationId xmlns:p14="http://schemas.microsoft.com/office/powerpoint/2010/main" val="3789110418"/>
       </p:ext>
     </p:extLst>
   </p:cSld>
@@ -1905,7 +1905,7 @@
           <p:cNvPr id="2" name="标题 1">
             <a:extLst>
               <a:ext uri="{FF2B5EF4-FFF2-40B4-BE49-F238E27FC236}">
-                <a16:creationId xmlns:a16="http://schemas.microsoft.com/office/drawing/2014/main" id="{305BFEC8-F869-24FE-F4AA-70D4D362214F}"/>
+                <a16:creationId xmlns:a16="http://schemas.microsoft.com/office/drawing/2014/main" id="{3B9CF056-6BE9-CDB2-08F1-5265A9D7416E}"/>
               </a:ext>
             </a:extLst>
           </p:cNvPr>
@@ -1933,7 +1933,7 @@
           <p:cNvPr id="3" name="日期占位符 2">
             <a:extLst>
               <a:ext uri="{FF2B5EF4-FFF2-40B4-BE49-F238E27FC236}">
-                <a16:creationId xmlns:a16="http://schemas.microsoft.com/office/drawing/2014/main" id="{6C20BFA2-F98B-D677-619B-81CC67385063}"/>
+                <a16:creationId xmlns:a16="http://schemas.microsoft.com/office/drawing/2014/main" id="{1324CC57-C641-0BD4-30F5-4BA8AD3F9EDB}"/>
               </a:ext>
             </a:extLst>
           </p:cNvPr>
@@ -1949,7 +1949,7 @@
           <a:bodyPr/>
           <a:lstStyle/>
           <a:p>
-            <a:fld id="{206A1D2B-AEAB-45E2-AEDA-0D33DA1AD4A3}" type="datetimeFigureOut">
+            <a:fld id="{6EC9CF51-D42F-4515-93AD-FA7AC55392C9}" type="datetimeFigureOut">
               <a:rPr lang="zh-CN" altLang="en-US" smtClean="0"/>
               <a:t>2024/3/10</a:t>
             </a:fld>
@@ -1962,7 +1962,7 @@
           <p:cNvPr id="4" name="页脚占位符 3">
             <a:extLst>
               <a:ext uri="{FF2B5EF4-FFF2-40B4-BE49-F238E27FC236}">
-                <a16:creationId xmlns:a16="http://schemas.microsoft.com/office/drawing/2014/main" id="{03AD151C-A53F-D62A-C698-38C22F706A65}"/>
+                <a16:creationId xmlns:a16="http://schemas.microsoft.com/office/drawing/2014/main" id="{38A098D9-3318-C883-D328-74407621345A}"/>
               </a:ext>
             </a:extLst>
           </p:cNvPr>
@@ -1987,7 +1987,7 @@
           <p:cNvPr id="5" name="灯片编号占位符 4">
             <a:extLst>
               <a:ext uri="{FF2B5EF4-FFF2-40B4-BE49-F238E27FC236}">
-                <a16:creationId xmlns:a16="http://schemas.microsoft.com/office/drawing/2014/main" id="{8A744EFC-A376-DA2D-DAF8-6A9413B22A31}"/>
+                <a16:creationId xmlns:a16="http://schemas.microsoft.com/office/drawing/2014/main" id="{8897C499-E8BD-A820-E246-AB55A15CFD9D}"/>
               </a:ext>
             </a:extLst>
           </p:cNvPr>
@@ -2003,7 +2003,7 @@
           <a:bodyPr/>
           <a:lstStyle/>
           <a:p>
-            <a:fld id="{44EB9041-A13B-4740-A92D-CC11C1133992}" type="slidenum">
+            <a:fld id="{4BF54584-C52A-4DD9-8DAA-24C18BD49FE1}" type="slidenum">
               <a:rPr lang="zh-CN" altLang="en-US" smtClean="0"/>
               <a:t>‹#›</a:t>
             </a:fld>
@@ -2014,7 +2014,7 @@
     </p:spTree>
     <p:extLst>
       <p:ext uri="{BB962C8B-B14F-4D97-AF65-F5344CB8AC3E}">
-        <p14:creationId xmlns:p14="http://schemas.microsoft.com/office/powerpoint/2010/main" val="78944520"/>
+        <p14:creationId xmlns:p14="http://schemas.microsoft.com/office/powerpoint/2010/main" val="3504014540"/>
       </p:ext>
     </p:extLst>
   </p:cSld>
@@ -2046,7 +2046,7 @@
           <p:cNvPr id="2" name="日期占位符 1">
             <a:extLst>
               <a:ext uri="{FF2B5EF4-FFF2-40B4-BE49-F238E27FC236}">
-                <a16:creationId xmlns:a16="http://schemas.microsoft.com/office/drawing/2014/main" id="{9987DB97-ABA9-54E8-0007-61B38663D48D}"/>
+                <a16:creationId xmlns:a16="http://schemas.microsoft.com/office/drawing/2014/main" id="{76A63B98-15CB-AF46-616F-12CBBB556273}"/>
               </a:ext>
             </a:extLst>
           </p:cNvPr>
@@ -2062,7 +2062,7 @@
           <a:bodyPr/>
           <a:lstStyle/>
           <a:p>
-            <a:fld id="{206A1D2B-AEAB-45E2-AEDA-0D33DA1AD4A3}" type="datetimeFigureOut">
+            <a:fld id="{6EC9CF51-D42F-4515-93AD-FA7AC55392C9}" type="datetimeFigureOut">
               <a:rPr lang="zh-CN" altLang="en-US" smtClean="0"/>
               <a:t>2024/3/10</a:t>
             </a:fld>
@@ -2075,7 +2075,7 @@
           <p:cNvPr id="3" name="页脚占位符 2">
             <a:extLst>
               <a:ext uri="{FF2B5EF4-FFF2-40B4-BE49-F238E27FC236}">
-                <a16:creationId xmlns:a16="http://schemas.microsoft.com/office/drawing/2014/main" id="{5FA7EF37-93B5-427D-63FA-F118E2EFB993}"/>
+                <a16:creationId xmlns:a16="http://schemas.microsoft.com/office/drawing/2014/main" id="{EED643BD-E8DB-AF43-D870-DF8A483C03DF}"/>
               </a:ext>
             </a:extLst>
           </p:cNvPr>
@@ -2100,7 +2100,7 @@
           <p:cNvPr id="4" name="灯片编号占位符 3">
             <a:extLst>
               <a:ext uri="{FF2B5EF4-FFF2-40B4-BE49-F238E27FC236}">
-                <a16:creationId xmlns:a16="http://schemas.microsoft.com/office/drawing/2014/main" id="{CCE68A04-3E56-247F-ED4E-B7E4E6AFD599}"/>
+                <a16:creationId xmlns:a16="http://schemas.microsoft.com/office/drawing/2014/main" id="{1884F458-8716-8DC6-67FD-FD323F0C22D2}"/>
               </a:ext>
             </a:extLst>
           </p:cNvPr>
@@ -2116,7 +2116,7 @@
           <a:bodyPr/>
           <a:lstStyle/>
           <a:p>
-            <a:fld id="{44EB9041-A13B-4740-A92D-CC11C1133992}" type="slidenum">
+            <a:fld id="{4BF54584-C52A-4DD9-8DAA-24C18BD49FE1}" type="slidenum">
               <a:rPr lang="zh-CN" altLang="en-US" smtClean="0"/>
               <a:t>‹#›</a:t>
             </a:fld>
@@ -2127,7 +2127,7 @@
     </p:spTree>
     <p:extLst>
       <p:ext uri="{BB962C8B-B14F-4D97-AF65-F5344CB8AC3E}">
-        <p14:creationId xmlns:p14="http://schemas.microsoft.com/office/powerpoint/2010/main" val="4148833761"/>
+        <p14:creationId xmlns:p14="http://schemas.microsoft.com/office/powerpoint/2010/main" val="2331103277"/>
       </p:ext>
     </p:extLst>
   </p:cSld>
@@ -2159,7 +2159,7 @@
           <p:cNvPr id="2" name="标题 1">
             <a:extLst>
               <a:ext uri="{FF2B5EF4-FFF2-40B4-BE49-F238E27FC236}">
-                <a16:creationId xmlns:a16="http://schemas.microsoft.com/office/drawing/2014/main" id="{299F72ED-3EF3-B251-E7BB-96FAD0D8B343}"/>
+                <a16:creationId xmlns:a16="http://schemas.microsoft.com/office/drawing/2014/main" id="{D4E9DBE7-FDF8-B630-AF4B-E6D79C715399}"/>
               </a:ext>
             </a:extLst>
           </p:cNvPr>
@@ -2196,7 +2196,7 @@
           <p:cNvPr id="3" name="内容占位符 2">
             <a:extLst>
               <a:ext uri="{FF2B5EF4-FFF2-40B4-BE49-F238E27FC236}">
-                <a16:creationId xmlns:a16="http://schemas.microsoft.com/office/drawing/2014/main" id="{61638548-D9D7-AC3D-DB30-F837C4F9C11C}"/>
+                <a16:creationId xmlns:a16="http://schemas.microsoft.com/office/drawing/2014/main" id="{4AD2D202-8C10-485A-0E74-BBB59BA6E87D}"/>
               </a:ext>
             </a:extLst>
           </p:cNvPr>
@@ -2286,7 +2286,7 @@
           <p:cNvPr id="4" name="文本占位符 3">
             <a:extLst>
               <a:ext uri="{FF2B5EF4-FFF2-40B4-BE49-F238E27FC236}">
-                <a16:creationId xmlns:a16="http://schemas.microsoft.com/office/drawing/2014/main" id="{BFDF7E1F-C408-840A-AA9A-7953D44CA8B8}"/>
+                <a16:creationId xmlns:a16="http://schemas.microsoft.com/office/drawing/2014/main" id="{6AB47845-F9B5-BD27-F4E7-2B9682481734}"/>
               </a:ext>
             </a:extLst>
           </p:cNvPr>
@@ -2357,7 +2357,7 @@
           <p:cNvPr id="5" name="日期占位符 4">
             <a:extLst>
               <a:ext uri="{FF2B5EF4-FFF2-40B4-BE49-F238E27FC236}">
-                <a16:creationId xmlns:a16="http://schemas.microsoft.com/office/drawing/2014/main" id="{7C1287F8-5D50-D334-918B-D145B62C5F01}"/>
+                <a16:creationId xmlns:a16="http://schemas.microsoft.com/office/drawing/2014/main" id="{D016431F-F3BD-4A96-7EAA-2D85EFA314AE}"/>
               </a:ext>
             </a:extLst>
           </p:cNvPr>
@@ -2373,7 +2373,7 @@
           <a:bodyPr/>
           <a:lstStyle/>
           <a:p>
-            <a:fld id="{206A1D2B-AEAB-45E2-AEDA-0D33DA1AD4A3}" type="datetimeFigureOut">
+            <a:fld id="{6EC9CF51-D42F-4515-93AD-FA7AC55392C9}" type="datetimeFigureOut">
               <a:rPr lang="zh-CN" altLang="en-US" smtClean="0"/>
               <a:t>2024/3/10</a:t>
             </a:fld>
@@ -2386,7 +2386,7 @@
           <p:cNvPr id="6" name="页脚占位符 5">
             <a:extLst>
               <a:ext uri="{FF2B5EF4-FFF2-40B4-BE49-F238E27FC236}">
-                <a16:creationId xmlns:a16="http://schemas.microsoft.com/office/drawing/2014/main" id="{B94602A6-C87B-87EF-9EA9-FCC324FB8F58}"/>
+                <a16:creationId xmlns:a16="http://schemas.microsoft.com/office/drawing/2014/main" id="{8D6C8D6B-7542-1E42-C46C-4645A1A6A4AD}"/>
               </a:ext>
             </a:extLst>
           </p:cNvPr>
@@ -2411,7 +2411,7 @@
           <p:cNvPr id="7" name="灯片编号占位符 6">
             <a:extLst>
               <a:ext uri="{FF2B5EF4-FFF2-40B4-BE49-F238E27FC236}">
-                <a16:creationId xmlns:a16="http://schemas.microsoft.com/office/drawing/2014/main" id="{477B3ABE-27AF-B89F-6440-435A3BA3DD23}"/>
+                <a16:creationId xmlns:a16="http://schemas.microsoft.com/office/drawing/2014/main" id="{C5DA02AC-8398-6A66-18CA-4C08C05538C9}"/>
               </a:ext>
             </a:extLst>
           </p:cNvPr>
@@ -2427,7 +2427,7 @@
           <a:bodyPr/>
           <a:lstStyle/>
           <a:p>
-            <a:fld id="{44EB9041-A13B-4740-A92D-CC11C1133992}" type="slidenum">
+            <a:fld id="{4BF54584-C52A-4DD9-8DAA-24C18BD49FE1}" type="slidenum">
               <a:rPr lang="zh-CN" altLang="en-US" smtClean="0"/>
               <a:t>‹#›</a:t>
             </a:fld>
@@ -2438,7 +2438,7 @@
     </p:spTree>
     <p:extLst>
       <p:ext uri="{BB962C8B-B14F-4D97-AF65-F5344CB8AC3E}">
-        <p14:creationId xmlns:p14="http://schemas.microsoft.com/office/powerpoint/2010/main" val="2874559011"/>
+        <p14:creationId xmlns:p14="http://schemas.microsoft.com/office/powerpoint/2010/main" val="4013528687"/>
       </p:ext>
     </p:extLst>
   </p:cSld>
@@ -2470,7 +2470,7 @@
           <p:cNvPr id="2" name="标题 1">
             <a:extLst>
               <a:ext uri="{FF2B5EF4-FFF2-40B4-BE49-F238E27FC236}">
-                <a16:creationId xmlns:a16="http://schemas.microsoft.com/office/drawing/2014/main" id="{7A87307E-943A-655F-C8A4-06BD2CDB1E0C}"/>
+                <a16:creationId xmlns:a16="http://schemas.microsoft.com/office/drawing/2014/main" id="{75D53FCC-F9B7-E688-AB71-41107B0A9A9F}"/>
               </a:ext>
             </a:extLst>
           </p:cNvPr>
@@ -2507,7 +2507,7 @@
           <p:cNvPr id="3" name="图片占位符 2">
             <a:extLst>
               <a:ext uri="{FF2B5EF4-FFF2-40B4-BE49-F238E27FC236}">
-                <a16:creationId xmlns:a16="http://schemas.microsoft.com/office/drawing/2014/main" id="{B4C9EA77-54C5-C10D-3714-2CAB73415F55}"/>
+                <a16:creationId xmlns:a16="http://schemas.microsoft.com/office/drawing/2014/main" id="{7B6EA772-7133-383D-E112-CD8A59B6795D}"/>
               </a:ext>
             </a:extLst>
           </p:cNvPr>
@@ -2574,7 +2574,7 @@
           <p:cNvPr id="4" name="文本占位符 3">
             <a:extLst>
               <a:ext uri="{FF2B5EF4-FFF2-40B4-BE49-F238E27FC236}">
-                <a16:creationId xmlns:a16="http://schemas.microsoft.com/office/drawing/2014/main" id="{8262244E-20F7-9D5F-0418-251FF0707805}"/>
+                <a16:creationId xmlns:a16="http://schemas.microsoft.com/office/drawing/2014/main" id="{F396E257-01BF-6F64-AB64-6C85ADAAFAD6}"/>
               </a:ext>
             </a:extLst>
           </p:cNvPr>
@@ -2645,7 +2645,7 @@
           <p:cNvPr id="5" name="日期占位符 4">
             <a:extLst>
               <a:ext uri="{FF2B5EF4-FFF2-40B4-BE49-F238E27FC236}">
-                <a16:creationId xmlns:a16="http://schemas.microsoft.com/office/drawing/2014/main" id="{2FE90D7F-A3B1-49F0-4921-1F331585710A}"/>
+                <a16:creationId xmlns:a16="http://schemas.microsoft.com/office/drawing/2014/main" id="{69495A42-0288-E493-2C2B-8BDF4C8CE46D}"/>
               </a:ext>
             </a:extLst>
           </p:cNvPr>
@@ -2661,7 +2661,7 @@
           <a:bodyPr/>
           <a:lstStyle/>
           <a:p>
-            <a:fld id="{206A1D2B-AEAB-45E2-AEDA-0D33DA1AD4A3}" type="datetimeFigureOut">
+            <a:fld id="{6EC9CF51-D42F-4515-93AD-FA7AC55392C9}" type="datetimeFigureOut">
               <a:rPr lang="zh-CN" altLang="en-US" smtClean="0"/>
               <a:t>2024/3/10</a:t>
             </a:fld>
@@ -2674,7 +2674,7 @@
           <p:cNvPr id="6" name="页脚占位符 5">
             <a:extLst>
               <a:ext uri="{FF2B5EF4-FFF2-40B4-BE49-F238E27FC236}">
-                <a16:creationId xmlns:a16="http://schemas.microsoft.com/office/drawing/2014/main" id="{D37B62B1-6763-FFB7-E298-EC3A8F15AA2D}"/>
+                <a16:creationId xmlns:a16="http://schemas.microsoft.com/office/drawing/2014/main" id="{A3804466-91EA-5B76-74C3-1521B5475AD7}"/>
               </a:ext>
             </a:extLst>
           </p:cNvPr>
@@ -2699,7 +2699,7 @@
           <p:cNvPr id="7" name="灯片编号占位符 6">
             <a:extLst>
               <a:ext uri="{FF2B5EF4-FFF2-40B4-BE49-F238E27FC236}">
-                <a16:creationId xmlns:a16="http://schemas.microsoft.com/office/drawing/2014/main" id="{8C9C2BDB-E2D0-09BF-F25D-9F7E3B8DCCC9}"/>
+                <a16:creationId xmlns:a16="http://schemas.microsoft.com/office/drawing/2014/main" id="{B1252192-5F28-39A9-68B7-624F63F78D7F}"/>
               </a:ext>
             </a:extLst>
           </p:cNvPr>
@@ -2715,7 +2715,7 @@
           <a:bodyPr/>
           <a:lstStyle/>
           <a:p>
-            <a:fld id="{44EB9041-A13B-4740-A92D-CC11C1133992}" type="slidenum">
+            <a:fld id="{4BF54584-C52A-4DD9-8DAA-24C18BD49FE1}" type="slidenum">
               <a:rPr lang="zh-CN" altLang="en-US" smtClean="0"/>
               <a:t>‹#›</a:t>
             </a:fld>
@@ -2726,7 +2726,7 @@
     </p:spTree>
     <p:extLst>
       <p:ext uri="{BB962C8B-B14F-4D97-AF65-F5344CB8AC3E}">
-        <p14:creationId xmlns:p14="http://schemas.microsoft.com/office/powerpoint/2010/main" val="2291379112"/>
+        <p14:creationId xmlns:p14="http://schemas.microsoft.com/office/powerpoint/2010/main" val="2967016066"/>
       </p:ext>
     </p:extLst>
   </p:cSld>
@@ -2763,7 +2763,7 @@
           <p:cNvPr id="2" name="标题占位符 1">
             <a:extLst>
               <a:ext uri="{FF2B5EF4-FFF2-40B4-BE49-F238E27FC236}">
-                <a16:creationId xmlns:a16="http://schemas.microsoft.com/office/drawing/2014/main" id="{FE95223E-2898-5730-22B3-7E71E20771B2}"/>
+                <a16:creationId xmlns:a16="http://schemas.microsoft.com/office/drawing/2014/main" id="{95D8DF37-659F-9870-EFD0-0D589DC5FBA0}"/>
               </a:ext>
             </a:extLst>
           </p:cNvPr>
@@ -2801,7 +2801,7 @@
           <p:cNvPr id="3" name="文本占位符 2">
             <a:extLst>
               <a:ext uri="{FF2B5EF4-FFF2-40B4-BE49-F238E27FC236}">
-                <a16:creationId xmlns:a16="http://schemas.microsoft.com/office/drawing/2014/main" id="{2BF5F856-83C7-DCFD-2E14-F5E8E7F7851E}"/>
+                <a16:creationId xmlns:a16="http://schemas.microsoft.com/office/drawing/2014/main" id="{77EBFC37-D71A-E65A-2D63-62D8CA96D1DF}"/>
               </a:ext>
             </a:extLst>
           </p:cNvPr>
@@ -2868,7 +2868,7 @@
           <p:cNvPr id="4" name="日期占位符 3">
             <a:extLst>
               <a:ext uri="{FF2B5EF4-FFF2-40B4-BE49-F238E27FC236}">
-                <a16:creationId xmlns:a16="http://schemas.microsoft.com/office/drawing/2014/main" id="{05CEE25D-D2D7-0C82-F464-7E227BF76854}"/>
+                <a16:creationId xmlns:a16="http://schemas.microsoft.com/office/drawing/2014/main" id="{3FD479EE-D519-36B5-8704-2AEB250E37D7}"/>
               </a:ext>
             </a:extLst>
           </p:cNvPr>
@@ -2902,7 +2902,7 @@
             </a:lvl1pPr>
           </a:lstStyle>
           <a:p>
-            <a:fld id="{206A1D2B-AEAB-45E2-AEDA-0D33DA1AD4A3}" type="datetimeFigureOut">
+            <a:fld id="{6EC9CF51-D42F-4515-93AD-FA7AC55392C9}" type="datetimeFigureOut">
               <a:rPr lang="zh-CN" altLang="en-US" smtClean="0"/>
               <a:t>2024/3/10</a:t>
             </a:fld>
@@ -2915,7 +2915,7 @@
           <p:cNvPr id="5" name="页脚占位符 4">
             <a:extLst>
               <a:ext uri="{FF2B5EF4-FFF2-40B4-BE49-F238E27FC236}">
-                <a16:creationId xmlns:a16="http://schemas.microsoft.com/office/drawing/2014/main" id="{E9D97A7D-9588-80DE-B9D7-F2C330D0A634}"/>
+                <a16:creationId xmlns:a16="http://schemas.microsoft.com/office/drawing/2014/main" id="{4A6111C6-71B1-0C2D-F655-11B010E34DA7}"/>
               </a:ext>
             </a:extLst>
           </p:cNvPr>
@@ -2958,7 +2958,7 @@
           <p:cNvPr id="6" name="灯片编号占位符 5">
             <a:extLst>
               <a:ext uri="{FF2B5EF4-FFF2-40B4-BE49-F238E27FC236}">
-                <a16:creationId xmlns:a16="http://schemas.microsoft.com/office/drawing/2014/main" id="{A5AD217B-853C-BE15-A2DE-87D0316A9BE6}"/>
+                <a16:creationId xmlns:a16="http://schemas.microsoft.com/office/drawing/2014/main" id="{35513A23-25E1-E351-91AC-421E91D561EE}"/>
               </a:ext>
             </a:extLst>
           </p:cNvPr>
@@ -2992,7 +2992,7 @@
             </a:lvl1pPr>
           </a:lstStyle>
           <a:p>
-            <a:fld id="{44EB9041-A13B-4740-A92D-CC11C1133992}" type="slidenum">
+            <a:fld id="{4BF54584-C52A-4DD9-8DAA-24C18BD49FE1}" type="slidenum">
               <a:rPr lang="zh-CN" altLang="en-US" smtClean="0"/>
               <a:t>‹#›</a:t>
             </a:fld>
@@ -3003,7 +3003,7 @@
     </p:spTree>
     <p:extLst>
       <p:ext uri="{BB962C8B-B14F-4D97-AF65-F5344CB8AC3E}">
-        <p14:creationId xmlns:p14="http://schemas.microsoft.com/office/powerpoint/2010/main" val="279847990"/>
+        <p14:creationId xmlns:p14="http://schemas.microsoft.com/office/powerpoint/2010/main" val="1217509850"/>
       </p:ext>
     </p:extLst>
   </p:cSld>
